--- a/2、正式课/1、第一周/4、第四天/大自然的给予.pptx
+++ b/2、正式课/1、第一周/4、第四天/大自然的给予.pptx
@@ -293,7 +293,7 @@
             <a:fld id="{530820CF-B880-4189-942D-D702A7CBA730}" type="datetimeFigureOut">
               <a:rPr lang="zh-CN" altLang="en-US" smtClean="0"/>
               <a:pPr/>
-              <a:t>2019/11/22</a:t>
+              <a:t>2020/1/2</a:t>
             </a:fld>
             <a:endParaRPr lang="zh-CN" altLang="en-US"/>
           </a:p>
@@ -460,7 +460,7 @@
             <a:fld id="{530820CF-B880-4189-942D-D702A7CBA730}" type="datetimeFigureOut">
               <a:rPr lang="zh-CN" altLang="en-US" smtClean="0"/>
               <a:pPr/>
-              <a:t>2019/11/22</a:t>
+              <a:t>2020/1/2</a:t>
             </a:fld>
             <a:endParaRPr lang="zh-CN" altLang="en-US"/>
           </a:p>
@@ -637,7 +637,7 @@
             <a:fld id="{530820CF-B880-4189-942D-D702A7CBA730}" type="datetimeFigureOut">
               <a:rPr lang="zh-CN" altLang="en-US" smtClean="0"/>
               <a:pPr/>
-              <a:t>2019/11/22</a:t>
+              <a:t>2020/1/2</a:t>
             </a:fld>
             <a:endParaRPr lang="zh-CN" altLang="en-US"/>
           </a:p>
@@ -804,7 +804,7 @@
             <a:fld id="{530820CF-B880-4189-942D-D702A7CBA730}" type="datetimeFigureOut">
               <a:rPr lang="zh-CN" altLang="en-US" smtClean="0"/>
               <a:pPr/>
-              <a:t>2019/11/22</a:t>
+              <a:t>2020/1/2</a:t>
             </a:fld>
             <a:endParaRPr lang="zh-CN" altLang="en-US"/>
           </a:p>
@@ -1047,7 +1047,7 @@
             <a:fld id="{530820CF-B880-4189-942D-D702A7CBA730}" type="datetimeFigureOut">
               <a:rPr lang="zh-CN" altLang="en-US" smtClean="0"/>
               <a:pPr/>
-              <a:t>2019/11/22</a:t>
+              <a:t>2020/1/2</a:t>
             </a:fld>
             <a:endParaRPr lang="zh-CN" altLang="en-US"/>
           </a:p>
@@ -1332,7 +1332,7 @@
             <a:fld id="{530820CF-B880-4189-942D-D702A7CBA730}" type="datetimeFigureOut">
               <a:rPr lang="zh-CN" altLang="en-US" smtClean="0"/>
               <a:pPr/>
-              <a:t>2019/11/22</a:t>
+              <a:t>2020/1/2</a:t>
             </a:fld>
             <a:endParaRPr lang="zh-CN" altLang="en-US"/>
           </a:p>
@@ -1751,7 +1751,7 @@
             <a:fld id="{530820CF-B880-4189-942D-D702A7CBA730}" type="datetimeFigureOut">
               <a:rPr lang="zh-CN" altLang="en-US" smtClean="0"/>
               <a:pPr/>
-              <a:t>2019/11/22</a:t>
+              <a:t>2020/1/2</a:t>
             </a:fld>
             <a:endParaRPr lang="zh-CN" altLang="en-US"/>
           </a:p>
@@ -1866,7 +1866,7 @@
             <a:fld id="{530820CF-B880-4189-942D-D702A7CBA730}" type="datetimeFigureOut">
               <a:rPr lang="zh-CN" altLang="en-US" smtClean="0"/>
               <a:pPr/>
-              <a:t>2019/11/22</a:t>
+              <a:t>2020/1/2</a:t>
             </a:fld>
             <a:endParaRPr lang="zh-CN" altLang="en-US"/>
           </a:p>
@@ -1958,7 +1958,7 @@
             <a:fld id="{530820CF-B880-4189-942D-D702A7CBA730}" type="datetimeFigureOut">
               <a:rPr lang="zh-CN" altLang="en-US" smtClean="0"/>
               <a:pPr/>
-              <a:t>2019/11/22</a:t>
+              <a:t>2020/1/2</a:t>
             </a:fld>
             <a:endParaRPr lang="zh-CN" altLang="en-US"/>
           </a:p>
@@ -2232,7 +2232,7 @@
             <a:fld id="{530820CF-B880-4189-942D-D702A7CBA730}" type="datetimeFigureOut">
               <a:rPr lang="zh-CN" altLang="en-US" smtClean="0"/>
               <a:pPr/>
-              <a:t>2019/11/22</a:t>
+              <a:t>2020/1/2</a:t>
             </a:fld>
             <a:endParaRPr lang="zh-CN" altLang="en-US"/>
           </a:p>
@@ -2482,7 +2482,7 @@
             <a:fld id="{530820CF-B880-4189-942D-D702A7CBA730}" type="datetimeFigureOut">
               <a:rPr lang="zh-CN" altLang="en-US" smtClean="0"/>
               <a:pPr/>
-              <a:t>2019/11/22</a:t>
+              <a:t>2020/1/2</a:t>
             </a:fld>
             <a:endParaRPr lang="zh-CN" altLang="en-US"/>
           </a:p>
@@ -2692,7 +2692,7 @@
             <a:fld id="{530820CF-B880-4189-942D-D702A7CBA730}" type="datetimeFigureOut">
               <a:rPr lang="zh-CN" altLang="en-US" smtClean="0"/>
               <a:pPr/>
-              <a:t>2019/11/22</a:t>
+              <a:t>2020/1/2</a:t>
             </a:fld>
             <a:endParaRPr lang="zh-CN" altLang="en-US"/>
           </a:p>
@@ -4536,11 +4536,7 @@
           <a:p>
             <a:r>
               <a:rPr lang="en-US" altLang="zh-CN" dirty="0" smtClean="0"/>
-              <a:t>            this.age = age</a:t>
-            </a:r>
-            <a:r>
-              <a:rPr lang="en-US" altLang="zh-CN" dirty="0" smtClean="0"/>
-              <a:t>;</a:t>
+              <a:t>            this.age = age;</a:t>
             </a:r>
           </a:p>
           <a:p>
@@ -4548,7 +4544,6 @@
               <a:rPr lang="en-US" altLang="zh-CN" dirty="0" smtClean="0"/>
               <a:t>            </a:t>
             </a:r>
-            <a:endParaRPr lang="en-US" altLang="zh-CN" dirty="0" smtClean="0"/>
           </a:p>
           <a:p>
             <a:endParaRPr lang="zh-CN" altLang="en-US" dirty="0"/>
@@ -4760,21 +4755,13 @@
           <a:p>
             <a:r>
               <a:rPr lang="en-US" altLang="zh-CN" dirty="0" smtClean="0"/>
-              <a:t>n</a:t>
-            </a:r>
+              <a:t>name:’jinYu’</a:t>
+            </a:r>
+          </a:p>
+          <a:p>
             <a:r>
               <a:rPr lang="en-US" altLang="zh-CN" dirty="0" smtClean="0"/>
-              <a:t>ame:’jinYu’</a:t>
-            </a:r>
-          </a:p>
-          <a:p>
-            <a:r>
-              <a:rPr lang="en-US" altLang="zh-CN" dirty="0" smtClean="0"/>
-              <a:t>a</a:t>
-            </a:r>
-            <a:r>
-              <a:rPr lang="en-US" altLang="zh-CN" dirty="0" smtClean="0"/>
-              <a:t>ge:18</a:t>
+              <a:t>age:18</a:t>
             </a:r>
             <a:endParaRPr lang="zh-CN" altLang="en-US" dirty="0"/>
           </a:p>
@@ -5824,11 +5811,7 @@
           <a:p>
             <a:r>
               <a:rPr lang="en-US" altLang="zh-CN" dirty="0" smtClean="0"/>
-              <a:t>s</a:t>
-            </a:r>
-            <a:r>
-              <a:rPr lang="en-US" altLang="zh-CN" dirty="0" smtClean="0"/>
-              <a:t>ay:fun</a:t>
+              <a:t>say:fun</a:t>
             </a:r>
             <a:endParaRPr lang="zh-CN" altLang="en-US" dirty="0"/>
           </a:p>
@@ -6010,19 +5993,7 @@
           <a:p>
             <a:r>
               <a:rPr lang="en-US" altLang="zh-CN" dirty="0" smtClean="0"/>
-              <a:t>  </a:t>
-            </a:r>
-            <a:r>
-              <a:rPr lang="en-US" altLang="zh-CN" dirty="0" smtClean="0"/>
-              <a:t>   f1.say</a:t>
-            </a:r>
-            <a:r>
-              <a:rPr lang="en-US" altLang="zh-CN" dirty="0" smtClean="0"/>
-              <a:t>(); // </a:t>
-            </a:r>
-            <a:r>
-              <a:rPr lang="en-US" altLang="zh-CN" dirty="0" smtClean="0"/>
-              <a:t> log</a:t>
+              <a:t>     f1.say(); //  log</a:t>
             </a:r>
             <a:r>
               <a:rPr lang="zh-CN" altLang="en-US" dirty="0" smtClean="0"/>
@@ -6032,34 +6003,17 @@
               <a:rPr lang="en-US" altLang="zh-CN" dirty="0" smtClean="0"/>
               <a:t>f1</a:t>
             </a:r>
-            <a:endParaRPr lang="en-US" altLang="zh-CN" dirty="0" smtClean="0"/>
           </a:p>
           <a:p>
             <a:r>
               <a:rPr lang="en-US" altLang="zh-CN" dirty="0" smtClean="0"/>
-              <a:t>  </a:t>
-            </a:r>
+              <a:t>    f1.__proto__.say() === Fn.prototype;</a:t>
+            </a:r>
+          </a:p>
+          <a:p>
             <a:r>
               <a:rPr lang="en-US" altLang="zh-CN" dirty="0" smtClean="0"/>
-              <a:t>  f1</a:t>
-            </a:r>
-            <a:r>
-              <a:rPr lang="en-US" altLang="zh-CN" dirty="0" smtClean="0"/>
-              <a:t>.__proto__.say</a:t>
-            </a:r>
-            <a:r>
-              <a:rPr lang="en-US" altLang="zh-CN" dirty="0" smtClean="0"/>
-              <a:t>() === Fn.prototype;</a:t>
-            </a:r>
-          </a:p>
-          <a:p>
-            <a:r>
-              <a:rPr lang="en-US" altLang="zh-CN" dirty="0" smtClean="0"/>
-              <a:t> </a:t>
-            </a:r>
-            <a:r>
-              <a:rPr lang="en-US" altLang="zh-CN" dirty="0" smtClean="0"/>
-              <a:t>    // undefined === Fn</a:t>
+              <a:t>     // undefined === Fn</a:t>
             </a:r>
             <a:r>
               <a:rPr lang="zh-CN" altLang="en-US" dirty="0" smtClean="0"/>
@@ -6069,7 +6023,6 @@
               <a:rPr lang="en-US" altLang="zh-CN" dirty="0" smtClean="0"/>
               <a:t>// false</a:t>
             </a:r>
-            <a:endParaRPr lang="en-US" altLang="zh-CN" dirty="0" smtClean="0"/>
           </a:p>
           <a:p>
             <a:endParaRPr lang="zh-CN" altLang="en-US" dirty="0"/>
@@ -7509,123 +7462,68 @@
           <a:p>
             <a:r>
               <a:rPr lang="en-US" altLang="zh-CN" sz="1600" dirty="0" smtClean="0"/>
-              <a:t>        console.log(f1.getX == f2.getX</a:t>
-            </a:r>
+              <a:t>        console.log(f1.getX == f2.getX); // fasle</a:t>
+            </a:r>
+          </a:p>
+          <a:p>
             <a:r>
               <a:rPr lang="en-US" altLang="zh-CN" sz="1600" dirty="0" smtClean="0"/>
-              <a:t>); // fasle</a:t>
-            </a:r>
-            <a:endParaRPr lang="en-US" altLang="zh-CN" sz="1600" dirty="0" smtClean="0"/>
+              <a:t>        console.log(f1.getY == f2.getY);  //  true</a:t>
+            </a:r>
           </a:p>
           <a:p>
             <a:r>
               <a:rPr lang="en-US" altLang="zh-CN" sz="1600" dirty="0" smtClean="0"/>
-              <a:t>        console.log(f1.getY == f2.getY</a:t>
-            </a:r>
+              <a:t>        console.log(f1.x == f2.x);  //  true</a:t>
+            </a:r>
+          </a:p>
+          <a:p>
             <a:r>
               <a:rPr lang="en-US" altLang="zh-CN" sz="1600" dirty="0" smtClean="0"/>
-              <a:t>);  //  true</a:t>
-            </a:r>
-            <a:endParaRPr lang="en-US" altLang="zh-CN" sz="1600" dirty="0" smtClean="0"/>
+              <a:t>        console.log(Fn.prototype.getX === f1.getX); // false</a:t>
+            </a:r>
           </a:p>
           <a:p>
             <a:r>
               <a:rPr lang="en-US" altLang="zh-CN" sz="1600" dirty="0" smtClean="0"/>
-              <a:t>        console.log(f1.x == f2.x</a:t>
-            </a:r>
+              <a:t>        console.log(Fn.prototype.getX === f1.__proto__.getX); //true</a:t>
+            </a:r>
+          </a:p>
+          <a:p>
             <a:r>
               <a:rPr lang="en-US" altLang="zh-CN" sz="1600" dirty="0" smtClean="0"/>
-              <a:t>);  //  true</a:t>
-            </a:r>
-            <a:endParaRPr lang="en-US" altLang="zh-CN" sz="1600" dirty="0" smtClean="0"/>
+              <a:t>        f1.getX();  // 100</a:t>
+            </a:r>
           </a:p>
           <a:p>
             <a:r>
               <a:rPr lang="en-US" altLang="zh-CN" sz="1600" dirty="0" smtClean="0"/>
-              <a:t>        console.log(Fn.prototype.getX === f1.getX</a:t>
-            </a:r>
+              <a:t>        Fn.prototype.getX();  // undefined</a:t>
+            </a:r>
+          </a:p>
+          <a:p>
             <a:r>
               <a:rPr lang="en-US" altLang="zh-CN" sz="1600" dirty="0" smtClean="0"/>
-              <a:t>); // false</a:t>
-            </a:r>
-            <a:endParaRPr lang="en-US" altLang="zh-CN" sz="1600" dirty="0" smtClean="0"/>
+              <a:t>        f2.__proto__.getX();  // undefined</a:t>
+            </a:r>
           </a:p>
           <a:p>
             <a:r>
               <a:rPr lang="en-US" altLang="zh-CN" sz="1600" dirty="0" smtClean="0"/>
-              <a:t>        console.log(Fn.prototype.getX === f1.__proto__.getX</a:t>
-            </a:r>
+              <a:t>        Fn.prototype.getY();  // undefined</a:t>
+            </a:r>
+          </a:p>
+          <a:p>
             <a:r>
               <a:rPr lang="en-US" altLang="zh-CN" sz="1600" dirty="0" smtClean="0"/>
-              <a:t>); //true</a:t>
-            </a:r>
-            <a:endParaRPr lang="en-US" altLang="zh-CN" sz="1600" dirty="0" smtClean="0"/>
+              <a:t>        console.log(f1.a);  //  300</a:t>
+            </a:r>
           </a:p>
           <a:p>
             <a:r>
               <a:rPr lang="en-US" altLang="zh-CN" sz="1600" dirty="0" smtClean="0"/>
-              <a:t>        f1.getX</a:t>
-            </a:r>
-            <a:r>
-              <a:rPr lang="en-US" altLang="zh-CN" sz="1600" dirty="0" smtClean="0"/>
-              <a:t>();  // 100</a:t>
-            </a:r>
-            <a:endParaRPr lang="en-US" altLang="zh-CN" sz="1600" dirty="0" smtClean="0"/>
-          </a:p>
-          <a:p>
-            <a:r>
-              <a:rPr lang="en-US" altLang="zh-CN" sz="1600" dirty="0" smtClean="0"/>
-              <a:t>        Fn.prototype.getX</a:t>
-            </a:r>
-            <a:r>
-              <a:rPr lang="en-US" altLang="zh-CN" sz="1600" dirty="0" smtClean="0"/>
-              <a:t>();  // undefined</a:t>
-            </a:r>
-            <a:endParaRPr lang="en-US" altLang="zh-CN" sz="1600" dirty="0" smtClean="0"/>
-          </a:p>
-          <a:p>
-            <a:r>
-              <a:rPr lang="en-US" altLang="zh-CN" sz="1600" dirty="0" smtClean="0"/>
-              <a:t>        f2.__proto__.getX</a:t>
-            </a:r>
-            <a:r>
-              <a:rPr lang="en-US" altLang="zh-CN" sz="1600" dirty="0" smtClean="0"/>
-              <a:t>();  // undefined</a:t>
-            </a:r>
-            <a:endParaRPr lang="en-US" altLang="zh-CN" sz="1600" dirty="0" smtClean="0"/>
-          </a:p>
-          <a:p>
-            <a:r>
-              <a:rPr lang="en-US" altLang="zh-CN" sz="1600" dirty="0" smtClean="0"/>
-              <a:t>        Fn.prototype.getY</a:t>
-            </a:r>
-            <a:r>
-              <a:rPr lang="en-US" altLang="zh-CN" sz="1600" dirty="0" smtClean="0"/>
-              <a:t>();  // undefined</a:t>
-            </a:r>
-            <a:endParaRPr lang="en-US" altLang="zh-CN" sz="1600" dirty="0" smtClean="0"/>
-          </a:p>
-          <a:p>
-            <a:r>
-              <a:rPr lang="en-US" altLang="zh-CN" sz="1600" dirty="0" smtClean="0"/>
-              <a:t>        console.log(f1.a</a:t>
-            </a:r>
-            <a:r>
-              <a:rPr lang="en-US" altLang="zh-CN" sz="1600" dirty="0" smtClean="0"/>
-              <a:t>);  //  300</a:t>
-            </a:r>
-            <a:endParaRPr lang="en-US" altLang="zh-CN" sz="1600" dirty="0" smtClean="0"/>
-          </a:p>
-          <a:p>
-            <a:r>
-              <a:rPr lang="en-US" altLang="zh-CN" sz="1600" dirty="0" smtClean="0"/>
-              <a:t>        console.log(f1.toString</a:t>
-            </a:r>
-            <a:r>
-              <a:rPr lang="en-US" altLang="zh-CN" sz="1600" dirty="0" smtClean="0"/>
-              <a:t>); // f</a:t>
-            </a:r>
-            <a:endParaRPr lang="en-US" altLang="zh-CN" sz="1600" dirty="0" smtClean="0"/>
+              <a:t>        console.log(f1.toString); // f</a:t>
+            </a:r>
           </a:p>
           <a:p>
             <a:endParaRPr lang="zh-CN" altLang="en-US" sz="1600" dirty="0"/>
@@ -8052,11 +7950,7 @@
           <a:p>
             <a:r>
               <a:rPr lang="en-US" altLang="zh-CN" sz="2000" dirty="0" smtClean="0"/>
-              <a:t>a</a:t>
-            </a:r>
-            <a:r>
-              <a:rPr lang="en-US" altLang="zh-CN" sz="2000" dirty="0" smtClean="0"/>
-              <a:t>:300</a:t>
+              <a:t>a:300</a:t>
             </a:r>
             <a:endParaRPr lang="zh-CN" altLang="en-US" sz="2000" dirty="0"/>
           </a:p>
@@ -8129,11 +8023,7 @@
           <a:p>
             <a:r>
               <a:rPr lang="en-US" altLang="zh-CN" sz="3200" dirty="0" smtClean="0"/>
-              <a:t>f</a:t>
-            </a:r>
-            <a:r>
-              <a:rPr lang="en-US" altLang="zh-CN" sz="3200" dirty="0" smtClean="0"/>
-              <a:t>1</a:t>
+              <a:t>f1</a:t>
             </a:r>
             <a:r>
               <a:rPr lang="zh-CN" altLang="en-US" sz="3200" dirty="0" smtClean="0"/>
@@ -8351,11 +8241,7 @@
           <a:p>
             <a:r>
               <a:rPr lang="en-US" altLang="zh-CN" sz="3200" dirty="0" smtClean="0"/>
-              <a:t>f</a:t>
-            </a:r>
-            <a:r>
-              <a:rPr lang="en-US" altLang="zh-CN" sz="3200" dirty="0" smtClean="0"/>
-              <a:t>2</a:t>
+              <a:t>f2</a:t>
             </a:r>
             <a:r>
               <a:rPr lang="zh-CN" altLang="en-US" sz="3200" dirty="0" smtClean="0"/>
